--- a/botany2021_tutorial/PhyloHerb_botany2021.pptx
+++ b/botany2021_tutorial/PhyloHerb_botany2021.pptx
@@ -5,13 +5,15 @@
     <p:sldMasterId id="2147483660" r:id="rId1"/>
   </p:sldMasterIdLst>
   <p:notesMasterIdLst>
-    <p:notesMasterId r:id="rId6"/>
+    <p:notesMasterId r:id="rId8"/>
   </p:notesMasterIdLst>
   <p:sldIdLst>
     <p:sldId id="258" r:id="rId2"/>
     <p:sldId id="259" r:id="rId3"/>
-    <p:sldId id="256" r:id="rId4"/>
+    <p:sldId id="261" r:id="rId4"/>
     <p:sldId id="260" r:id="rId5"/>
+    <p:sldId id="256" r:id="rId6"/>
+    <p:sldId id="262" r:id="rId7"/>
   </p:sldIdLst>
   <p:sldSz cx="9144000" cy="6858000" type="screen4x3"/>
   <p:notesSz cx="6858000" cy="9144000"/>
@@ -4573,6 +4575,664 @@
       </p:grpSpPr>
       <p:sp>
         <p:nvSpPr>
+          <p:cNvPr id="2" name="Title 1">
+            <a:extLst>
+              <a:ext uri="{FF2B5EF4-FFF2-40B4-BE49-F238E27FC236}">
+                <a16:creationId xmlns:a16="http://schemas.microsoft.com/office/drawing/2014/main" id="{9FE5F793-24AF-0C4B-82E2-223ED5966CFD}"/>
+              </a:ext>
+            </a:extLst>
+          </p:cNvPr>
+          <p:cNvSpPr>
+            <a:spLocks noGrp="1"/>
+          </p:cNvSpPr>
+          <p:nvPr>
+            <p:ph type="title"/>
+          </p:nvPr>
+        </p:nvSpPr>
+        <p:spPr/>
+        <p:txBody>
+          <a:bodyPr/>
+          <a:lstStyle/>
+          <a:p>
+            <a:r>
+              <a:rPr lang="en-US" altLang="zh-CN" dirty="0"/>
+              <a:t>What</a:t>
+            </a:r>
+            <a:r>
+              <a:rPr lang="zh-CN" altLang="en-US" dirty="0"/>
+              <a:t> </a:t>
+            </a:r>
+            <a:r>
+              <a:rPr lang="en-US" altLang="zh-CN" dirty="0"/>
+              <a:t>portion</a:t>
+            </a:r>
+            <a:r>
+              <a:rPr lang="zh-CN" altLang="en-US" dirty="0"/>
+              <a:t> </a:t>
+            </a:r>
+            <a:r>
+              <a:rPr lang="en-US" altLang="zh-CN" dirty="0"/>
+              <a:t>of</a:t>
+            </a:r>
+            <a:r>
+              <a:rPr lang="zh-CN" altLang="en-US" dirty="0"/>
+              <a:t> </a:t>
+            </a:r>
+            <a:r>
+              <a:rPr lang="en-US" altLang="zh-CN" dirty="0"/>
+              <a:t>the</a:t>
+            </a:r>
+            <a:r>
+              <a:rPr lang="zh-CN" altLang="en-US" dirty="0"/>
+              <a:t> </a:t>
+            </a:r>
+            <a:r>
+              <a:rPr lang="en-US" altLang="zh-CN" dirty="0"/>
+              <a:t>data</a:t>
+            </a:r>
+            <a:r>
+              <a:rPr lang="zh-CN" altLang="en-US" dirty="0"/>
+              <a:t> </a:t>
+            </a:r>
+            <a:r>
+              <a:rPr lang="en-US" altLang="zh-CN" dirty="0"/>
+              <a:t>is</a:t>
+            </a:r>
+            <a:r>
+              <a:rPr lang="zh-CN" altLang="en-US" dirty="0"/>
+              <a:t> </a:t>
+            </a:r>
+            <a:r>
+              <a:rPr lang="en-US" altLang="zh-CN" dirty="0"/>
+              <a:t>used?</a:t>
+            </a:r>
+            <a:endParaRPr lang="en-US" dirty="0"/>
+          </a:p>
+        </p:txBody>
+      </p:sp>
+      <p:sp>
+        <p:nvSpPr>
+          <p:cNvPr id="3" name="Content Placeholder 2">
+            <a:extLst>
+              <a:ext uri="{FF2B5EF4-FFF2-40B4-BE49-F238E27FC236}">
+                <a16:creationId xmlns:a16="http://schemas.microsoft.com/office/drawing/2014/main" id="{862C1248-EFB4-4F4D-8358-B770454D7015}"/>
+              </a:ext>
+            </a:extLst>
+          </p:cNvPr>
+          <p:cNvSpPr>
+            <a:spLocks noGrp="1"/>
+          </p:cNvSpPr>
+          <p:nvPr>
+            <p:ph idx="1"/>
+          </p:nvPr>
+        </p:nvSpPr>
+        <p:spPr/>
+        <p:txBody>
+          <a:bodyPr/>
+          <a:lstStyle/>
+          <a:p>
+            <a:endParaRPr lang="en-US" dirty="0"/>
+          </a:p>
+        </p:txBody>
+      </p:sp>
+    </p:spTree>
+    <p:extLst>
+      <p:ext uri="{BB962C8B-B14F-4D97-AF65-F5344CB8AC3E}">
+        <p14:creationId xmlns:p14="http://schemas.microsoft.com/office/powerpoint/2010/main" val="1751478491"/>
+      </p:ext>
+    </p:extLst>
+  </p:cSld>
+  <p:clrMapOvr>
+    <a:masterClrMapping/>
+  </p:clrMapOvr>
+</p:sld>
+</file>
+
+<file path=ppt/slides/slide4.xml><?xml version="1.0" encoding="utf-8"?>
+<p:sld xmlns:a="http://schemas.openxmlformats.org/drawingml/2006/main" xmlns:r="http://schemas.openxmlformats.org/officeDocument/2006/relationships" xmlns:p="http://schemas.openxmlformats.org/presentationml/2006/main">
+  <p:cSld>
+    <p:spTree>
+      <p:nvGrpSpPr>
+        <p:cNvPr id="1" name=""/>
+        <p:cNvGrpSpPr/>
+        <p:nvPr/>
+      </p:nvGrpSpPr>
+      <p:grpSpPr>
+        <a:xfrm>
+          <a:off x="0" y="0"/>
+          <a:ext cx="0" cy="0"/>
+          <a:chOff x="0" y="0"/>
+          <a:chExt cx="0" cy="0"/>
+        </a:xfrm>
+      </p:grpSpPr>
+      <p:sp>
+        <p:nvSpPr>
+          <p:cNvPr id="2" name="Title 1">
+            <a:extLst>
+              <a:ext uri="{FF2B5EF4-FFF2-40B4-BE49-F238E27FC236}">
+                <a16:creationId xmlns:a16="http://schemas.microsoft.com/office/drawing/2014/main" id="{825A2C2D-0B66-5043-8326-0F03D20BC447}"/>
+              </a:ext>
+            </a:extLst>
+          </p:cNvPr>
+          <p:cNvSpPr>
+            <a:spLocks noGrp="1"/>
+          </p:cNvSpPr>
+          <p:nvPr>
+            <p:ph type="title"/>
+          </p:nvPr>
+        </p:nvSpPr>
+        <p:spPr/>
+        <p:txBody>
+          <a:bodyPr/>
+          <a:lstStyle/>
+          <a:p>
+            <a:endParaRPr lang="en-US"/>
+          </a:p>
+        </p:txBody>
+      </p:sp>
+      <p:sp>
+        <p:nvSpPr>
+          <p:cNvPr id="3" name="Content Placeholder 2">
+            <a:extLst>
+              <a:ext uri="{FF2B5EF4-FFF2-40B4-BE49-F238E27FC236}">
+                <a16:creationId xmlns:a16="http://schemas.microsoft.com/office/drawing/2014/main" id="{79329BD7-1B26-B04C-A58C-5772E9A7FE36}"/>
+              </a:ext>
+            </a:extLst>
+          </p:cNvPr>
+          <p:cNvSpPr>
+            <a:spLocks noGrp="1"/>
+          </p:cNvSpPr>
+          <p:nvPr>
+            <p:ph idx="1"/>
+          </p:nvPr>
+        </p:nvSpPr>
+        <p:spPr/>
+        <p:txBody>
+          <a:bodyPr/>
+          <a:lstStyle/>
+          <a:p>
+            <a:endParaRPr lang="en-US" dirty="0"/>
+          </a:p>
+        </p:txBody>
+      </p:sp>
+      <p:sp>
+        <p:nvSpPr>
+          <p:cNvPr id="4" name="Rectangle 3">
+            <a:extLst>
+              <a:ext uri="{FF2B5EF4-FFF2-40B4-BE49-F238E27FC236}">
+                <a16:creationId xmlns:a16="http://schemas.microsoft.com/office/drawing/2014/main" id="{297A413D-C706-3141-9ED9-2AE9D3EDFA6E}"/>
+              </a:ext>
+            </a:extLst>
+          </p:cNvPr>
+          <p:cNvSpPr/>
+          <p:nvPr/>
+        </p:nvSpPr>
+        <p:spPr>
+          <a:xfrm>
+            <a:off x="628650" y="2384854"/>
+            <a:ext cx="2434281" cy="1260389"/>
+          </a:xfrm>
+          <a:prstGeom prst="rect">
+            <a:avLst/>
+          </a:prstGeom>
+        </p:spPr>
+        <p:style>
+          <a:lnRef idx="2">
+            <a:schemeClr val="accent1">
+              <a:shade val="50000"/>
+            </a:schemeClr>
+          </a:lnRef>
+          <a:fillRef idx="1">
+            <a:schemeClr val="accent1"/>
+          </a:fillRef>
+          <a:effectRef idx="0">
+            <a:schemeClr val="accent1"/>
+          </a:effectRef>
+          <a:fontRef idx="minor">
+            <a:schemeClr val="lt1"/>
+          </a:fontRef>
+        </p:style>
+        <p:txBody>
+          <a:bodyPr rtlCol="0" anchor="ctr"/>
+          <a:lstStyle/>
+          <a:p>
+            <a:pPr algn="ctr"/>
+            <a:endParaRPr lang="en-US"/>
+          </a:p>
+        </p:txBody>
+      </p:sp>
+      <p:sp>
+        <p:nvSpPr>
+          <p:cNvPr id="5" name="Rectangle 4">
+            <a:extLst>
+              <a:ext uri="{FF2B5EF4-FFF2-40B4-BE49-F238E27FC236}">
+                <a16:creationId xmlns:a16="http://schemas.microsoft.com/office/drawing/2014/main" id="{4D68A956-E04B-FB4A-A7E0-8D0023DCA751}"/>
+              </a:ext>
+            </a:extLst>
+          </p:cNvPr>
+          <p:cNvSpPr/>
+          <p:nvPr/>
+        </p:nvSpPr>
+        <p:spPr>
+          <a:xfrm>
+            <a:off x="3062931" y="2384854"/>
+            <a:ext cx="1804087" cy="1260389"/>
+          </a:xfrm>
+          <a:prstGeom prst="rect">
+            <a:avLst/>
+          </a:prstGeom>
+          <a:solidFill>
+            <a:schemeClr val="accent2"/>
+          </a:solidFill>
+        </p:spPr>
+        <p:style>
+          <a:lnRef idx="2">
+            <a:schemeClr val="accent1">
+              <a:shade val="50000"/>
+            </a:schemeClr>
+          </a:lnRef>
+          <a:fillRef idx="1">
+            <a:schemeClr val="accent1"/>
+          </a:fillRef>
+          <a:effectRef idx="0">
+            <a:schemeClr val="accent1"/>
+          </a:effectRef>
+          <a:fontRef idx="minor">
+            <a:schemeClr val="lt1"/>
+          </a:fontRef>
+        </p:style>
+        <p:txBody>
+          <a:bodyPr rtlCol="0" anchor="ctr"/>
+          <a:lstStyle/>
+          <a:p>
+            <a:pPr algn="ctr"/>
+            <a:endParaRPr lang="en-US"/>
+          </a:p>
+        </p:txBody>
+      </p:sp>
+      <p:sp>
+        <p:nvSpPr>
+          <p:cNvPr id="6" name="Rectangle 5">
+            <a:extLst>
+              <a:ext uri="{FF2B5EF4-FFF2-40B4-BE49-F238E27FC236}">
+                <a16:creationId xmlns:a16="http://schemas.microsoft.com/office/drawing/2014/main" id="{41A9FD0C-A688-9349-9CC3-5B94C9FB9254}"/>
+              </a:ext>
+            </a:extLst>
+          </p:cNvPr>
+          <p:cNvSpPr/>
+          <p:nvPr/>
+        </p:nvSpPr>
+        <p:spPr>
+          <a:xfrm>
+            <a:off x="4867018" y="2384854"/>
+            <a:ext cx="481913" cy="1260389"/>
+          </a:xfrm>
+          <a:prstGeom prst="rect">
+            <a:avLst/>
+          </a:prstGeom>
+          <a:solidFill>
+            <a:schemeClr val="accent6"/>
+          </a:solidFill>
+        </p:spPr>
+        <p:style>
+          <a:lnRef idx="2">
+            <a:schemeClr val="accent1">
+              <a:shade val="50000"/>
+            </a:schemeClr>
+          </a:lnRef>
+          <a:fillRef idx="1">
+            <a:schemeClr val="accent1"/>
+          </a:fillRef>
+          <a:effectRef idx="0">
+            <a:schemeClr val="accent1"/>
+          </a:effectRef>
+          <a:fontRef idx="minor">
+            <a:schemeClr val="lt1"/>
+          </a:fontRef>
+        </p:style>
+        <p:txBody>
+          <a:bodyPr rtlCol="0" anchor="ctr"/>
+          <a:lstStyle/>
+          <a:p>
+            <a:pPr algn="ctr"/>
+            <a:endParaRPr lang="en-US"/>
+          </a:p>
+        </p:txBody>
+      </p:sp>
+      <p:sp>
+        <p:nvSpPr>
+          <p:cNvPr id="7" name="Rectangle 6">
+            <a:extLst>
+              <a:ext uri="{FF2B5EF4-FFF2-40B4-BE49-F238E27FC236}">
+                <a16:creationId xmlns:a16="http://schemas.microsoft.com/office/drawing/2014/main" id="{7735381C-6D55-484B-9D2F-BA377EA381D0}"/>
+              </a:ext>
+            </a:extLst>
+          </p:cNvPr>
+          <p:cNvSpPr/>
+          <p:nvPr/>
+        </p:nvSpPr>
+        <p:spPr>
+          <a:xfrm>
+            <a:off x="5348931" y="2384853"/>
+            <a:ext cx="2842054" cy="1260389"/>
+          </a:xfrm>
+          <a:prstGeom prst="rect">
+            <a:avLst/>
+          </a:prstGeom>
+          <a:solidFill>
+            <a:schemeClr val="accent4"/>
+          </a:solidFill>
+        </p:spPr>
+        <p:style>
+          <a:lnRef idx="2">
+            <a:schemeClr val="accent1">
+              <a:shade val="50000"/>
+            </a:schemeClr>
+          </a:lnRef>
+          <a:fillRef idx="1">
+            <a:schemeClr val="accent1"/>
+          </a:fillRef>
+          <a:effectRef idx="0">
+            <a:schemeClr val="accent1"/>
+          </a:effectRef>
+          <a:fontRef idx="minor">
+            <a:schemeClr val="lt1"/>
+          </a:fontRef>
+        </p:style>
+        <p:txBody>
+          <a:bodyPr rtlCol="0" anchor="ctr"/>
+          <a:lstStyle/>
+          <a:p>
+            <a:pPr algn="ctr"/>
+            <a:endParaRPr lang="en-US"/>
+          </a:p>
+        </p:txBody>
+      </p:sp>
+      <p:sp>
+        <p:nvSpPr>
+          <p:cNvPr id="8" name="TextBox 7">
+            <a:extLst>
+              <a:ext uri="{FF2B5EF4-FFF2-40B4-BE49-F238E27FC236}">
+                <a16:creationId xmlns:a16="http://schemas.microsoft.com/office/drawing/2014/main" id="{7CCCACB8-6629-C24B-B914-4FAEDA9AEE9B}"/>
+              </a:ext>
+            </a:extLst>
+          </p:cNvPr>
+          <p:cNvSpPr txBox="1"/>
+          <p:nvPr/>
+        </p:nvSpPr>
+        <p:spPr>
+          <a:xfrm>
+            <a:off x="997379" y="3645242"/>
+            <a:ext cx="1583639" cy="646331"/>
+          </a:xfrm>
+          <a:prstGeom prst="rect">
+            <a:avLst/>
+          </a:prstGeom>
+          <a:noFill/>
+        </p:spPr>
+        <p:txBody>
+          <a:bodyPr wrap="none" rtlCol="0">
+            <a:spAutoFit/>
+          </a:bodyPr>
+          <a:lstStyle/>
+          <a:p>
+            <a:r>
+              <a:rPr lang="en-US" dirty="0"/>
+              <a:t>Data collection</a:t>
+            </a:r>
+          </a:p>
+          <a:p>
+            <a:endParaRPr lang="en-US" dirty="0"/>
+          </a:p>
+        </p:txBody>
+      </p:sp>
+      <p:sp>
+        <p:nvSpPr>
+          <p:cNvPr id="10" name="TextBox 9">
+            <a:extLst>
+              <a:ext uri="{FF2B5EF4-FFF2-40B4-BE49-F238E27FC236}">
+                <a16:creationId xmlns:a16="http://schemas.microsoft.com/office/drawing/2014/main" id="{E45490F7-9BCC-754F-A2EC-1994F4A4CD43}"/>
+              </a:ext>
+            </a:extLst>
+          </p:cNvPr>
+          <p:cNvSpPr txBox="1"/>
+          <p:nvPr/>
+        </p:nvSpPr>
+        <p:spPr>
+          <a:xfrm>
+            <a:off x="3062931" y="3645242"/>
+            <a:ext cx="1583639" cy="369332"/>
+          </a:xfrm>
+          <a:prstGeom prst="rect">
+            <a:avLst/>
+          </a:prstGeom>
+          <a:noFill/>
+        </p:spPr>
+        <p:txBody>
+          <a:bodyPr wrap="none" rtlCol="0">
+            <a:spAutoFit/>
+          </a:bodyPr>
+          <a:lstStyle/>
+          <a:p>
+            <a:r>
+              <a:rPr lang="en-US" dirty="0"/>
+              <a:t>Data collection</a:t>
+            </a:r>
+          </a:p>
+        </p:txBody>
+      </p:sp>
+      <p:sp>
+        <p:nvSpPr>
+          <p:cNvPr id="9" name="Left Brace 8">
+            <a:extLst>
+              <a:ext uri="{FF2B5EF4-FFF2-40B4-BE49-F238E27FC236}">
+                <a16:creationId xmlns:a16="http://schemas.microsoft.com/office/drawing/2014/main" id="{2FDD486E-4D24-0C40-8E74-95919695E381}"/>
+              </a:ext>
+            </a:extLst>
+          </p:cNvPr>
+          <p:cNvSpPr/>
+          <p:nvPr/>
+        </p:nvSpPr>
+        <p:spPr>
+          <a:xfrm>
+            <a:off x="1877671" y="4453903"/>
+            <a:ext cx="155448" cy="914400"/>
+          </a:xfrm>
+          <a:prstGeom prst="leftBrace">
+            <a:avLst/>
+          </a:prstGeom>
+        </p:spPr>
+        <p:style>
+          <a:lnRef idx="1">
+            <a:schemeClr val="accent1"/>
+          </a:lnRef>
+          <a:fillRef idx="0">
+            <a:schemeClr val="accent1"/>
+          </a:fillRef>
+          <a:effectRef idx="0">
+            <a:schemeClr val="accent1"/>
+          </a:effectRef>
+          <a:fontRef idx="minor">
+            <a:schemeClr val="tx1"/>
+          </a:fontRef>
+        </p:style>
+        <p:txBody>
+          <a:bodyPr rtlCol="0" anchor="ctr"/>
+          <a:lstStyle/>
+          <a:p>
+            <a:pPr algn="ctr"/>
+            <a:endParaRPr lang="en-US"/>
+          </a:p>
+        </p:txBody>
+      </p:sp>
+      <p:sp>
+        <p:nvSpPr>
+          <p:cNvPr id="11" name="TextBox 10">
+            <a:extLst>
+              <a:ext uri="{FF2B5EF4-FFF2-40B4-BE49-F238E27FC236}">
+                <a16:creationId xmlns:a16="http://schemas.microsoft.com/office/drawing/2014/main" id="{3EEFCF0B-A728-8A4E-BBEF-1D7C766B6990}"/>
+              </a:ext>
+            </a:extLst>
+          </p:cNvPr>
+          <p:cNvSpPr txBox="1"/>
+          <p:nvPr/>
+        </p:nvSpPr>
+        <p:spPr>
+          <a:xfrm>
+            <a:off x="997379" y="4726437"/>
+            <a:ext cx="3494355" cy="369332"/>
+          </a:xfrm>
+          <a:prstGeom prst="rect">
+            <a:avLst/>
+          </a:prstGeom>
+          <a:noFill/>
+        </p:spPr>
+        <p:txBody>
+          <a:bodyPr wrap="none" rtlCol="0">
+            <a:spAutoFit/>
+          </a:bodyPr>
+          <a:lstStyle/>
+          <a:p>
+            <a:r>
+              <a:rPr lang="en-US" altLang="zh-CN" dirty="0"/>
+              <a:t>What</a:t>
+            </a:r>
+            <a:r>
+              <a:rPr lang="zh-CN" altLang="en-US" dirty="0"/>
+              <a:t> </a:t>
+            </a:r>
+            <a:r>
+              <a:rPr lang="en-US" altLang="zh-CN" dirty="0" err="1"/>
+              <a:t>PhyloHerb</a:t>
+            </a:r>
+            <a:r>
+              <a:rPr lang="zh-CN" altLang="en-US" dirty="0"/>
+              <a:t> </a:t>
+            </a:r>
+            <a:r>
+              <a:rPr lang="en-US" altLang="zh-CN" dirty="0"/>
+              <a:t>pipeline</a:t>
+            </a:r>
+            <a:r>
+              <a:rPr lang="zh-CN" altLang="en-US" dirty="0"/>
+              <a:t> </a:t>
+            </a:r>
+            <a:r>
+              <a:rPr lang="en-US" altLang="zh-CN" dirty="0"/>
+              <a:t>is</a:t>
+            </a:r>
+            <a:r>
+              <a:rPr lang="zh-CN" altLang="en-US" dirty="0"/>
+              <a:t> </a:t>
+            </a:r>
+            <a:r>
+              <a:rPr lang="en-US" altLang="zh-CN" dirty="0"/>
+              <a:t>good</a:t>
+            </a:r>
+            <a:r>
+              <a:rPr lang="zh-CN" altLang="en-US" dirty="0"/>
+              <a:t> </a:t>
+            </a:r>
+            <a:r>
+              <a:rPr lang="en-US" altLang="zh-CN" dirty="0"/>
+              <a:t>at</a:t>
+            </a:r>
+            <a:endParaRPr lang="en-US" dirty="0"/>
+          </a:p>
+        </p:txBody>
+      </p:sp>
+      <p:sp>
+        <p:nvSpPr>
+          <p:cNvPr id="12" name="TextBox 11">
+            <a:extLst>
+              <a:ext uri="{FF2B5EF4-FFF2-40B4-BE49-F238E27FC236}">
+                <a16:creationId xmlns:a16="http://schemas.microsoft.com/office/drawing/2014/main" id="{0346BEB0-435A-9140-9684-DFC4D5E8D359}"/>
+              </a:ext>
+            </a:extLst>
+          </p:cNvPr>
+          <p:cNvSpPr txBox="1"/>
+          <p:nvPr/>
+        </p:nvSpPr>
+        <p:spPr>
+          <a:xfrm>
+            <a:off x="1077645" y="5530633"/>
+            <a:ext cx="2067489" cy="369332"/>
+          </a:xfrm>
+          <a:prstGeom prst="rect">
+            <a:avLst/>
+          </a:prstGeom>
+          <a:noFill/>
+        </p:spPr>
+        <p:txBody>
+          <a:bodyPr wrap="none" rtlCol="0">
+            <a:spAutoFit/>
+          </a:bodyPr>
+          <a:lstStyle/>
+          <a:p>
+            <a:r>
+              <a:rPr lang="en-US" altLang="zh-CN" dirty="0"/>
+              <a:t>What</a:t>
+            </a:r>
+            <a:r>
+              <a:rPr lang="zh-CN" altLang="en-US" dirty="0"/>
+              <a:t> </a:t>
+            </a:r>
+            <a:r>
+              <a:rPr lang="en-US" altLang="zh-CN" dirty="0"/>
+              <a:t>is</a:t>
+            </a:r>
+            <a:r>
+              <a:rPr lang="zh-CN" altLang="en-US" dirty="0"/>
+              <a:t> </a:t>
+            </a:r>
+            <a:r>
+              <a:rPr lang="en-US" altLang="zh-CN" dirty="0"/>
+              <a:t>not</a:t>
+            </a:r>
+            <a:r>
+              <a:rPr lang="zh-CN" altLang="en-US" dirty="0"/>
+              <a:t> </a:t>
+            </a:r>
+            <a:r>
+              <a:rPr lang="en-US" altLang="zh-CN" dirty="0"/>
+              <a:t>covered</a:t>
+            </a:r>
+            <a:endParaRPr lang="en-US" dirty="0"/>
+          </a:p>
+        </p:txBody>
+      </p:sp>
+    </p:spTree>
+    <p:extLst>
+      <p:ext uri="{BB962C8B-B14F-4D97-AF65-F5344CB8AC3E}">
+        <p14:creationId xmlns:p14="http://schemas.microsoft.com/office/powerpoint/2010/main" val="2693830111"/>
+      </p:ext>
+    </p:extLst>
+  </p:cSld>
+  <p:clrMapOvr>
+    <a:masterClrMapping/>
+  </p:clrMapOvr>
+</p:sld>
+</file>
+
+<file path=ppt/slides/slide5.xml><?xml version="1.0" encoding="utf-8"?>
+<p:sld xmlns:a="http://schemas.openxmlformats.org/drawingml/2006/main" xmlns:r="http://schemas.openxmlformats.org/officeDocument/2006/relationships" xmlns:p="http://schemas.openxmlformats.org/presentationml/2006/main">
+  <p:cSld>
+    <p:spTree>
+      <p:nvGrpSpPr>
+        <p:cNvPr id="1" name=""/>
+        <p:cNvGrpSpPr/>
+        <p:nvPr/>
+      </p:nvGrpSpPr>
+      <p:grpSpPr>
+        <a:xfrm>
+          <a:off x="0" y="0"/>
+          <a:ext cx="0" cy="0"/>
+          <a:chOff x="0" y="0"/>
+          <a:chExt cx="0" cy="0"/>
+        </a:xfrm>
+      </p:grpSpPr>
+      <p:sp>
+        <p:nvSpPr>
           <p:cNvPr id="4" name="Right Arrow 3">
             <a:extLst>
               <a:ext uri="{FF2B5EF4-FFF2-40B4-BE49-F238E27FC236}">
@@ -5238,7 +5898,7 @@
 </p:sld>
 </file>
 
-<file path=ppt/slides/slide4.xml><?xml version="1.0" encoding="utf-8"?>
+<file path=ppt/slides/slide6.xml><?xml version="1.0" encoding="utf-8"?>
 <p:sld xmlns:a="http://schemas.openxmlformats.org/drawingml/2006/main" xmlns:r="http://schemas.openxmlformats.org/officeDocument/2006/relationships" xmlns:p="http://schemas.openxmlformats.org/presentationml/2006/main">
   <p:cSld>
     <p:spTree>
@@ -5260,7 +5920,7 @@
           <p:cNvPr id="2" name="Title 1">
             <a:extLst>
               <a:ext uri="{FF2B5EF4-FFF2-40B4-BE49-F238E27FC236}">
-                <a16:creationId xmlns:a16="http://schemas.microsoft.com/office/drawing/2014/main" id="{825A2C2D-0B66-5043-8326-0F03D20BC447}"/>
+                <a16:creationId xmlns:a16="http://schemas.microsoft.com/office/drawing/2014/main" id="{0687BA98-9C01-5C46-8620-5A6BF8C5819C}"/>
               </a:ext>
             </a:extLst>
           </p:cNvPr>
@@ -5276,7 +5936,11 @@
           <a:bodyPr/>
           <a:lstStyle/>
           <a:p>
-            <a:endParaRPr lang="en-US"/>
+            <a:r>
+              <a:rPr lang="en-US" altLang="zh-CN" dirty="0"/>
+              <a:t>Schedule</a:t>
+            </a:r>
+            <a:endParaRPr lang="en-US" dirty="0"/>
           </a:p>
         </p:txBody>
       </p:sp>
@@ -5285,7 +5949,7 @@
           <p:cNvPr id="3" name="Content Placeholder 2">
             <a:extLst>
               <a:ext uri="{FF2B5EF4-FFF2-40B4-BE49-F238E27FC236}">
-                <a16:creationId xmlns:a16="http://schemas.microsoft.com/office/drawing/2014/main" id="{79329BD7-1B26-B04C-A58C-5772E9A7FE36}"/>
+                <a16:creationId xmlns:a16="http://schemas.microsoft.com/office/drawing/2014/main" id="{8F6E01A6-DD44-7E45-9119-86E75BCED7DD}"/>
               </a:ext>
             </a:extLst>
           </p:cNvPr>
@@ -5301,280 +5965,14 @@
           <a:bodyPr/>
           <a:lstStyle/>
           <a:p>
-            <a:endParaRPr lang="en-US" dirty="0"/>
-          </a:p>
-        </p:txBody>
-      </p:sp>
-      <p:sp>
-        <p:nvSpPr>
-          <p:cNvPr id="4" name="Rectangle 3">
-            <a:extLst>
-              <a:ext uri="{FF2B5EF4-FFF2-40B4-BE49-F238E27FC236}">
-                <a16:creationId xmlns:a16="http://schemas.microsoft.com/office/drawing/2014/main" id="{297A413D-C706-3141-9ED9-2AE9D3EDFA6E}"/>
-              </a:ext>
-            </a:extLst>
-          </p:cNvPr>
-          <p:cNvSpPr/>
-          <p:nvPr/>
-        </p:nvSpPr>
-        <p:spPr>
-          <a:xfrm>
-            <a:off x="628650" y="2384854"/>
-            <a:ext cx="2434281" cy="1260389"/>
-          </a:xfrm>
-          <a:prstGeom prst="rect">
-            <a:avLst/>
-          </a:prstGeom>
-        </p:spPr>
-        <p:style>
-          <a:lnRef idx="2">
-            <a:schemeClr val="accent1">
-              <a:shade val="50000"/>
-            </a:schemeClr>
-          </a:lnRef>
-          <a:fillRef idx="1">
-            <a:schemeClr val="accent1"/>
-          </a:fillRef>
-          <a:effectRef idx="0">
-            <a:schemeClr val="accent1"/>
-          </a:effectRef>
-          <a:fontRef idx="minor">
-            <a:schemeClr val="lt1"/>
-          </a:fontRef>
-        </p:style>
-        <p:txBody>
-          <a:bodyPr rtlCol="0" anchor="ctr"/>
-          <a:lstStyle/>
-          <a:p>
-            <a:pPr algn="ctr"/>
             <a:endParaRPr lang="en-US"/>
-          </a:p>
-        </p:txBody>
-      </p:sp>
-      <p:sp>
-        <p:nvSpPr>
-          <p:cNvPr id="5" name="Rectangle 4">
-            <a:extLst>
-              <a:ext uri="{FF2B5EF4-FFF2-40B4-BE49-F238E27FC236}">
-                <a16:creationId xmlns:a16="http://schemas.microsoft.com/office/drawing/2014/main" id="{4D68A956-E04B-FB4A-A7E0-8D0023DCA751}"/>
-              </a:ext>
-            </a:extLst>
-          </p:cNvPr>
-          <p:cNvSpPr/>
-          <p:nvPr/>
-        </p:nvSpPr>
-        <p:spPr>
-          <a:xfrm>
-            <a:off x="3062931" y="2384854"/>
-            <a:ext cx="1804087" cy="1260389"/>
-          </a:xfrm>
-          <a:prstGeom prst="rect">
-            <a:avLst/>
-          </a:prstGeom>
-          <a:solidFill>
-            <a:schemeClr val="accent2"/>
-          </a:solidFill>
-        </p:spPr>
-        <p:style>
-          <a:lnRef idx="2">
-            <a:schemeClr val="accent1">
-              <a:shade val="50000"/>
-            </a:schemeClr>
-          </a:lnRef>
-          <a:fillRef idx="1">
-            <a:schemeClr val="accent1"/>
-          </a:fillRef>
-          <a:effectRef idx="0">
-            <a:schemeClr val="accent1"/>
-          </a:effectRef>
-          <a:fontRef idx="minor">
-            <a:schemeClr val="lt1"/>
-          </a:fontRef>
-        </p:style>
-        <p:txBody>
-          <a:bodyPr rtlCol="0" anchor="ctr"/>
-          <a:lstStyle/>
-          <a:p>
-            <a:pPr algn="ctr"/>
-            <a:endParaRPr lang="en-US"/>
-          </a:p>
-        </p:txBody>
-      </p:sp>
-      <p:sp>
-        <p:nvSpPr>
-          <p:cNvPr id="6" name="Rectangle 5">
-            <a:extLst>
-              <a:ext uri="{FF2B5EF4-FFF2-40B4-BE49-F238E27FC236}">
-                <a16:creationId xmlns:a16="http://schemas.microsoft.com/office/drawing/2014/main" id="{41A9FD0C-A688-9349-9CC3-5B94C9FB9254}"/>
-              </a:ext>
-            </a:extLst>
-          </p:cNvPr>
-          <p:cNvSpPr/>
-          <p:nvPr/>
-        </p:nvSpPr>
-        <p:spPr>
-          <a:xfrm>
-            <a:off x="4867018" y="2384854"/>
-            <a:ext cx="481913" cy="1260389"/>
-          </a:xfrm>
-          <a:prstGeom prst="rect">
-            <a:avLst/>
-          </a:prstGeom>
-          <a:solidFill>
-            <a:schemeClr val="accent6"/>
-          </a:solidFill>
-        </p:spPr>
-        <p:style>
-          <a:lnRef idx="2">
-            <a:schemeClr val="accent1">
-              <a:shade val="50000"/>
-            </a:schemeClr>
-          </a:lnRef>
-          <a:fillRef idx="1">
-            <a:schemeClr val="accent1"/>
-          </a:fillRef>
-          <a:effectRef idx="0">
-            <a:schemeClr val="accent1"/>
-          </a:effectRef>
-          <a:fontRef idx="minor">
-            <a:schemeClr val="lt1"/>
-          </a:fontRef>
-        </p:style>
-        <p:txBody>
-          <a:bodyPr rtlCol="0" anchor="ctr"/>
-          <a:lstStyle/>
-          <a:p>
-            <a:pPr algn="ctr"/>
-            <a:endParaRPr lang="en-US"/>
-          </a:p>
-        </p:txBody>
-      </p:sp>
-      <p:sp>
-        <p:nvSpPr>
-          <p:cNvPr id="7" name="Rectangle 6">
-            <a:extLst>
-              <a:ext uri="{FF2B5EF4-FFF2-40B4-BE49-F238E27FC236}">
-                <a16:creationId xmlns:a16="http://schemas.microsoft.com/office/drawing/2014/main" id="{7735381C-6D55-484B-9D2F-BA377EA381D0}"/>
-              </a:ext>
-            </a:extLst>
-          </p:cNvPr>
-          <p:cNvSpPr/>
-          <p:nvPr/>
-        </p:nvSpPr>
-        <p:spPr>
-          <a:xfrm>
-            <a:off x="5348931" y="2384853"/>
-            <a:ext cx="2842054" cy="1260389"/>
-          </a:xfrm>
-          <a:prstGeom prst="rect">
-            <a:avLst/>
-          </a:prstGeom>
-          <a:solidFill>
-            <a:schemeClr val="accent4"/>
-          </a:solidFill>
-        </p:spPr>
-        <p:style>
-          <a:lnRef idx="2">
-            <a:schemeClr val="accent1">
-              <a:shade val="50000"/>
-            </a:schemeClr>
-          </a:lnRef>
-          <a:fillRef idx="1">
-            <a:schemeClr val="accent1"/>
-          </a:fillRef>
-          <a:effectRef idx="0">
-            <a:schemeClr val="accent1"/>
-          </a:effectRef>
-          <a:fontRef idx="minor">
-            <a:schemeClr val="lt1"/>
-          </a:fontRef>
-        </p:style>
-        <p:txBody>
-          <a:bodyPr rtlCol="0" anchor="ctr"/>
-          <a:lstStyle/>
-          <a:p>
-            <a:pPr algn="ctr"/>
-            <a:endParaRPr lang="en-US"/>
-          </a:p>
-        </p:txBody>
-      </p:sp>
-      <p:sp>
-        <p:nvSpPr>
-          <p:cNvPr id="8" name="TextBox 7">
-            <a:extLst>
-              <a:ext uri="{FF2B5EF4-FFF2-40B4-BE49-F238E27FC236}">
-                <a16:creationId xmlns:a16="http://schemas.microsoft.com/office/drawing/2014/main" id="{7CCCACB8-6629-C24B-B914-4FAEDA9AEE9B}"/>
-              </a:ext>
-            </a:extLst>
-          </p:cNvPr>
-          <p:cNvSpPr txBox="1"/>
-          <p:nvPr/>
-        </p:nvSpPr>
-        <p:spPr>
-          <a:xfrm>
-            <a:off x="997379" y="3645242"/>
-            <a:ext cx="1583639" cy="646331"/>
-          </a:xfrm>
-          <a:prstGeom prst="rect">
-            <a:avLst/>
-          </a:prstGeom>
-          <a:noFill/>
-        </p:spPr>
-        <p:txBody>
-          <a:bodyPr wrap="none" rtlCol="0">
-            <a:spAutoFit/>
-          </a:bodyPr>
-          <a:lstStyle/>
-          <a:p>
-            <a:r>
-              <a:rPr lang="en-US" dirty="0"/>
-              <a:t>Data collection</a:t>
-            </a:r>
-          </a:p>
-          <a:p>
-            <a:endParaRPr lang="en-US" dirty="0"/>
-          </a:p>
-        </p:txBody>
-      </p:sp>
-      <p:sp>
-        <p:nvSpPr>
-          <p:cNvPr id="10" name="TextBox 9">
-            <a:extLst>
-              <a:ext uri="{FF2B5EF4-FFF2-40B4-BE49-F238E27FC236}">
-                <a16:creationId xmlns:a16="http://schemas.microsoft.com/office/drawing/2014/main" id="{E45490F7-9BCC-754F-A2EC-1994F4A4CD43}"/>
-              </a:ext>
-            </a:extLst>
-          </p:cNvPr>
-          <p:cNvSpPr txBox="1"/>
-          <p:nvPr/>
-        </p:nvSpPr>
-        <p:spPr>
-          <a:xfrm>
-            <a:off x="3062931" y="3645242"/>
-            <a:ext cx="1583639" cy="369332"/>
-          </a:xfrm>
-          <a:prstGeom prst="rect">
-            <a:avLst/>
-          </a:prstGeom>
-          <a:noFill/>
-        </p:spPr>
-        <p:txBody>
-          <a:bodyPr wrap="none" rtlCol="0">
-            <a:spAutoFit/>
-          </a:bodyPr>
-          <a:lstStyle/>
-          <a:p>
-            <a:r>
-              <a:rPr lang="en-US" dirty="0"/>
-              <a:t>Data collection</a:t>
-            </a:r>
           </a:p>
         </p:txBody>
       </p:sp>
     </p:spTree>
     <p:extLst>
       <p:ext uri="{BB962C8B-B14F-4D97-AF65-F5344CB8AC3E}">
-        <p14:creationId xmlns:p14="http://schemas.microsoft.com/office/powerpoint/2010/main" val="2693830111"/>
+        <p14:creationId xmlns:p14="http://schemas.microsoft.com/office/powerpoint/2010/main" val="1627229777"/>
       </p:ext>
     </p:extLst>
   </p:cSld>

--- a/botany2021_tutorial/PhyloHerb_botany2021.pptx
+++ b/botany2021_tutorial/PhyloHerb_botany2021.pptx
@@ -3539,19 +3539,19 @@
         </p:nvSpPr>
         <p:spPr>
           <a:xfrm>
-            <a:off x="3826640" y="4005813"/>
+            <a:off x="3826640" y="3930750"/>
             <a:ext cx="5168519" cy="1572768"/>
           </a:xfrm>
         </p:spPr>
         <p:txBody>
           <a:bodyPr>
-            <a:normAutofit fontScale="92500" lnSpcReduction="10000"/>
+            <a:normAutofit fontScale="92500" lnSpcReduction="20000"/>
           </a:bodyPr>
           <a:lstStyle/>
           <a:p>
             <a:pPr algn="l"/>
             <a:r>
-              <a:rPr lang="en-US" sz="1600" dirty="0"/>
+              <a:rPr lang="en-US" sz="3000" dirty="0"/>
               <a:t>Botany 2021 workshop</a:t>
             </a:r>
           </a:p>
